--- a/AWP PPT - NodeJS.pptx
+++ b/AWP PPT - NodeJS.pptx
@@ -286,7 +286,7 @@
             <a:fld id="{A7B1724D-A50F-4C38-8BDE-920DAD4008EA}" type="datetimeFigureOut">
               <a:rPr lang="en-US" smtClean="0"/>
               <a:pPr/>
-              <a:t>6/30/2018</a:t>
+              <a:t>7/5/2018</a:t>
             </a:fld>
             <a:endParaRPr lang="en-US"/>
           </a:p>
@@ -6703,7 +6703,7 @@
         <p:spPr>
           <a:xfrm>
             <a:off x="114300" y="1395350"/>
-            <a:ext cx="8915400" cy="5109091"/>
+            <a:ext cx="8915400" cy="4093428"/>
           </a:xfrm>
           <a:prstGeom prst="rect">
             <a:avLst/>
@@ -6903,8 +6903,44 @@
               <a:t>1001</a:t>
             </a:r>
             <a:r>
+              <a:rPr lang="en-IN" sz="2200" dirty="0" smtClean="0">
+                <a:solidFill>
+                  <a:srgbClr val="D4D4D4"/>
+                </a:solidFill>
+                <a:latin typeface="Consolas" panose="020B0609020204030204" pitchFamily="49" charset="0"/>
+              </a:rPr>
+              <a:t>, </a:t>
+            </a:r>
+            <a:r>
+              <a:rPr lang="en-IN" sz="2200" dirty="0" smtClean="0">
+                <a:solidFill>
+                  <a:srgbClr val="9CDCFE"/>
+                </a:solidFill>
+                <a:latin typeface="Consolas" panose="020B0609020204030204" pitchFamily="49" charset="0"/>
+              </a:rPr>
+              <a:t>title</a:t>
+            </a:r>
+            <a:r>
               <a:rPr lang="en-IN" sz="2200" dirty="0">
                 <a:solidFill>
+                  <a:srgbClr val="9CDCFE"/>
+                </a:solidFill>
+                <a:latin typeface="Consolas" panose="020B0609020204030204" pitchFamily="49" charset="0"/>
+              </a:rPr>
+              <a:t>:</a:t>
+            </a:r>
+            <a:r>
+              <a:rPr lang="en-IN" sz="2200" dirty="0">
+                <a:solidFill>
+                  <a:srgbClr val="CE9178"/>
+                </a:solidFill>
+                <a:latin typeface="Consolas" panose="020B0609020204030204" pitchFamily="49" charset="0"/>
+              </a:rPr>
+              <a:t>'redis'</a:t>
+            </a:r>
+            <a:r>
+              <a:rPr lang="en-IN" sz="2200" dirty="0">
+                <a:solidFill>
                   <a:srgbClr val="D4D4D4"/>
                 </a:solidFill>
                 <a:latin typeface="Consolas" panose="020B0609020204030204" pitchFamily="49" charset="0"/>
@@ -6920,103 +6956,61 @@
                 </a:solidFill>
                 <a:latin typeface="Consolas" panose="020B0609020204030204" pitchFamily="49" charset="0"/>
               </a:rPr>
-              <a:t>    title</a:t>
-            </a:r>
-            <a:r>
-              <a:rPr lang="en-IN" sz="2200" dirty="0">
+              <a:t>    pages:</a:t>
+            </a:r>
+            <a:r>
+              <a:rPr lang="en-IN" sz="2200" dirty="0" smtClean="0">
+                <a:solidFill>
+                  <a:srgbClr val="B5CEA8"/>
+                </a:solidFill>
+                <a:latin typeface="Consolas" panose="020B0609020204030204" pitchFamily="49" charset="0"/>
+              </a:rPr>
+              <a:t>1000</a:t>
+            </a:r>
+            <a:r>
+              <a:rPr lang="en-IN" sz="2200" dirty="0" smtClean="0">
+                <a:solidFill>
+                  <a:srgbClr val="D4D4D4"/>
+                </a:solidFill>
+                <a:latin typeface="Consolas" panose="020B0609020204030204" pitchFamily="49" charset="0"/>
+              </a:rPr>
+              <a:t>, </a:t>
+            </a:r>
+            <a:r>
+              <a:rPr lang="en-IN" sz="2200" dirty="0" smtClean="0">
                 <a:solidFill>
                   <a:srgbClr val="9CDCFE"/>
                 </a:solidFill>
                 <a:latin typeface="Consolas" panose="020B0609020204030204" pitchFamily="49" charset="0"/>
               </a:rPr>
-              <a:t>:</a:t>
-            </a:r>
-            <a:r>
-              <a:rPr lang="en-IN" sz="2200" dirty="0">
-                <a:solidFill>
-                  <a:srgbClr val="CE9178"/>
-                </a:solidFill>
-                <a:latin typeface="Consolas" panose="020B0609020204030204" pitchFamily="49" charset="0"/>
-              </a:rPr>
-              <a:t>'redis'</a:t>
-            </a:r>
-            <a:r>
-              <a:rPr lang="en-IN" sz="2200" dirty="0">
-                <a:solidFill>
-                  <a:srgbClr val="D4D4D4"/>
-                </a:solidFill>
-                <a:latin typeface="Consolas" panose="020B0609020204030204" pitchFamily="49" charset="0"/>
-              </a:rPr>
-              <a:t>,</a:t>
-            </a:r>
-          </a:p>
-          <a:p>
+              <a:t>rate:</a:t>
+            </a:r>
             <a:r>
               <a:rPr lang="en-IN" sz="2200" dirty="0" smtClean="0">
                 <a:solidFill>
+                  <a:srgbClr val="B5CEA8"/>
+                </a:solidFill>
+                <a:latin typeface="Consolas" panose="020B0609020204030204" pitchFamily="49" charset="0"/>
+              </a:rPr>
+              <a:t>435</a:t>
+            </a:r>
+            <a:r>
+              <a:rPr lang="en-IN" sz="2200" dirty="0" smtClean="0">
+                <a:solidFill>
+                  <a:srgbClr val="D4D4D4"/>
+                </a:solidFill>
+                <a:latin typeface="Consolas" panose="020B0609020204030204" pitchFamily="49" charset="0"/>
+              </a:rPr>
+              <a:t>, </a:t>
+            </a:r>
+            <a:r>
+              <a:rPr lang="en-IN" sz="2200" dirty="0" smtClean="0">
+                <a:solidFill>
                   <a:srgbClr val="9CDCFE"/>
                 </a:solidFill>
                 <a:latin typeface="Consolas" panose="020B0609020204030204" pitchFamily="49" charset="0"/>
               </a:rPr>
-              <a:t>    pages:</a:t>
-            </a:r>
-            <a:r>
-              <a:rPr lang="en-IN" sz="2200" dirty="0" smtClean="0">
-                <a:solidFill>
-                  <a:srgbClr val="B5CEA8"/>
-                </a:solidFill>
-                <a:latin typeface="Consolas" panose="020B0609020204030204" pitchFamily="49" charset="0"/>
-              </a:rPr>
-              <a:t>1000</a:t>
-            </a:r>
-            <a:r>
-              <a:rPr lang="en-IN" sz="2200" dirty="0">
-                <a:solidFill>
-                  <a:srgbClr val="D4D4D4"/>
-                </a:solidFill>
-                <a:latin typeface="Consolas" panose="020B0609020204030204" pitchFamily="49" charset="0"/>
-              </a:rPr>
-              <a:t>,</a:t>
-            </a:r>
-          </a:p>
-          <a:p>
-            <a:r>
-              <a:rPr lang="en-IN" sz="2200" dirty="0" smtClean="0">
-                <a:solidFill>
-                  <a:srgbClr val="9CDCFE"/>
-                </a:solidFill>
-                <a:latin typeface="Consolas" panose="020B0609020204030204" pitchFamily="49" charset="0"/>
-              </a:rPr>
-              <a:t>    rate:</a:t>
-            </a:r>
-            <a:r>
-              <a:rPr lang="en-IN" sz="2200" dirty="0" smtClean="0">
-                <a:solidFill>
-                  <a:srgbClr val="B5CEA8"/>
-                </a:solidFill>
-                <a:latin typeface="Consolas" panose="020B0609020204030204" pitchFamily="49" charset="0"/>
-              </a:rPr>
-              <a:t>435</a:t>
-            </a:r>
-            <a:r>
-              <a:rPr lang="en-IN" sz="2200" dirty="0">
-                <a:solidFill>
-                  <a:srgbClr val="D4D4D4"/>
-                </a:solidFill>
-                <a:latin typeface="Consolas" panose="020B0609020204030204" pitchFamily="49" charset="0"/>
-              </a:rPr>
-              <a:t>,</a:t>
-            </a:r>
-          </a:p>
-          <a:p>
-            <a:r>
-              <a:rPr lang="en-IN" sz="2200" dirty="0" smtClean="0">
-                <a:solidFill>
-                  <a:srgbClr val="9CDCFE"/>
-                </a:solidFill>
-                <a:latin typeface="Consolas" panose="020B0609020204030204" pitchFamily="49" charset="0"/>
-              </a:rPr>
-              <a:t>    qty:</a:t>
+              <a:t>qty:</a:t>
             </a:r>
             <a:r>
               <a:rPr lang="en-IN" sz="2200" dirty="0" smtClean="0">
@@ -7693,6 +7687,949 @@
         </p:nvSpPr>
         <p:spPr>
           <a:xfrm>
+            <a:off x="180068" y="1371600"/>
+            <a:ext cx="8788400" cy="3477875"/>
+          </a:xfrm>
+          <a:prstGeom prst="rect">
+            <a:avLst/>
+          </a:prstGeom>
+        </p:spPr>
+        <p:txBody>
+          <a:bodyPr wrap="square">
+            <a:spAutoFit/>
+          </a:bodyPr>
+          <a:lstStyle/>
+          <a:p>
+            <a:r>
+              <a:rPr lang="en-IN" sz="2000" dirty="0">
+                <a:solidFill>
+                  <a:srgbClr val="569CD6"/>
+                </a:solidFill>
+                <a:latin typeface="Consolas" panose="020B0609020204030204" pitchFamily="49" charset="0"/>
+              </a:rPr>
+              <a:t>var</a:t>
+            </a:r>
+            <a:r>
+              <a:rPr lang="en-IN" sz="2000" dirty="0">
+                <a:solidFill>
+                  <a:srgbClr val="D4D4D4"/>
+                </a:solidFill>
+                <a:latin typeface="Consolas" panose="020B0609020204030204" pitchFamily="49" charset="0"/>
+              </a:rPr>
+              <a:t> </a:t>
+            </a:r>
+            <a:r>
+              <a:rPr lang="en-IN" sz="2000" dirty="0">
+                <a:solidFill>
+                  <a:srgbClr val="9CDCFE"/>
+                </a:solidFill>
+                <a:latin typeface="Consolas" panose="020B0609020204030204" pitchFamily="49" charset="0"/>
+              </a:rPr>
+              <a:t>id</a:t>
+            </a:r>
+            <a:r>
+              <a:rPr lang="en-IN" sz="2000" dirty="0">
+                <a:solidFill>
+                  <a:srgbClr val="D4D4D4"/>
+                </a:solidFill>
+                <a:latin typeface="Consolas" panose="020B0609020204030204" pitchFamily="49" charset="0"/>
+              </a:rPr>
+              <a:t> = </a:t>
+            </a:r>
+            <a:r>
+              <a:rPr lang="en-IN" sz="2000" dirty="0">
+                <a:solidFill>
+                  <a:srgbClr val="B5CEA8"/>
+                </a:solidFill>
+                <a:latin typeface="Consolas" panose="020B0609020204030204" pitchFamily="49" charset="0"/>
+              </a:rPr>
+              <a:t>1001</a:t>
+            </a:r>
+            <a:r>
+              <a:rPr lang="en-IN" sz="2000" dirty="0">
+                <a:solidFill>
+                  <a:srgbClr val="D4D4D4"/>
+                </a:solidFill>
+                <a:latin typeface="Consolas" panose="020B0609020204030204" pitchFamily="49" charset="0"/>
+              </a:rPr>
+              <a:t>;</a:t>
+            </a:r>
+          </a:p>
+          <a:p>
+            <a:r>
+              <a:rPr lang="en-IN" sz="2000" dirty="0">
+                <a:solidFill>
+                  <a:srgbClr val="569CD6"/>
+                </a:solidFill>
+                <a:latin typeface="Consolas" panose="020B0609020204030204" pitchFamily="49" charset="0"/>
+              </a:rPr>
+              <a:t>var</a:t>
+            </a:r>
+            <a:r>
+              <a:rPr lang="en-IN" sz="2000" dirty="0">
+                <a:solidFill>
+                  <a:srgbClr val="D4D4D4"/>
+                </a:solidFill>
+                <a:latin typeface="Consolas" panose="020B0609020204030204" pitchFamily="49" charset="0"/>
+              </a:rPr>
+              <a:t> </a:t>
+            </a:r>
+            <a:r>
+              <a:rPr lang="en-IN" sz="2000" dirty="0">
+                <a:solidFill>
+                  <a:srgbClr val="9CDCFE"/>
+                </a:solidFill>
+                <a:latin typeface="Consolas" panose="020B0609020204030204" pitchFamily="49" charset="0"/>
+              </a:rPr>
+              <a:t>firstName</a:t>
+            </a:r>
+            <a:r>
+              <a:rPr lang="en-IN" sz="2000" dirty="0">
+                <a:solidFill>
+                  <a:srgbClr val="D4D4D4"/>
+                </a:solidFill>
+                <a:latin typeface="Consolas" panose="020B0609020204030204" pitchFamily="49" charset="0"/>
+              </a:rPr>
+              <a:t> = </a:t>
+            </a:r>
+            <a:r>
+              <a:rPr lang="en-IN" sz="2000" dirty="0">
+                <a:solidFill>
+                  <a:srgbClr val="CE9178"/>
+                </a:solidFill>
+                <a:latin typeface="Consolas" panose="020B0609020204030204" pitchFamily="49" charset="0"/>
+              </a:rPr>
+              <a:t>'Saleel'</a:t>
+            </a:r>
+            <a:r>
+              <a:rPr lang="en-IN" sz="2000" dirty="0">
+                <a:solidFill>
+                  <a:srgbClr val="D4D4D4"/>
+                </a:solidFill>
+                <a:latin typeface="Consolas" panose="020B0609020204030204" pitchFamily="49" charset="0"/>
+              </a:rPr>
+              <a:t>;</a:t>
+            </a:r>
+          </a:p>
+          <a:p>
+            <a:r>
+              <a:rPr lang="en-IN" sz="2000" dirty="0">
+                <a:solidFill>
+                  <a:srgbClr val="569CD6"/>
+                </a:solidFill>
+                <a:latin typeface="Consolas" panose="020B0609020204030204" pitchFamily="49" charset="0"/>
+              </a:rPr>
+              <a:t>var</a:t>
+            </a:r>
+            <a:r>
+              <a:rPr lang="en-IN" sz="2000" dirty="0">
+                <a:solidFill>
+                  <a:srgbClr val="D4D4D4"/>
+                </a:solidFill>
+                <a:latin typeface="Consolas" panose="020B0609020204030204" pitchFamily="49" charset="0"/>
+              </a:rPr>
+              <a:t> </a:t>
+            </a:r>
+            <a:r>
+              <a:rPr lang="en-IN" sz="2000" dirty="0">
+                <a:solidFill>
+                  <a:srgbClr val="9CDCFE"/>
+                </a:solidFill>
+                <a:latin typeface="Consolas" panose="020B0609020204030204" pitchFamily="49" charset="0"/>
+              </a:rPr>
+              <a:t>lastName</a:t>
+            </a:r>
+            <a:r>
+              <a:rPr lang="en-IN" sz="2000" dirty="0">
+                <a:solidFill>
+                  <a:srgbClr val="D4D4D4"/>
+                </a:solidFill>
+                <a:latin typeface="Consolas" panose="020B0609020204030204" pitchFamily="49" charset="0"/>
+              </a:rPr>
+              <a:t> = </a:t>
+            </a:r>
+            <a:r>
+              <a:rPr lang="en-IN" sz="2000" dirty="0">
+                <a:solidFill>
+                  <a:srgbClr val="CE9178"/>
+                </a:solidFill>
+                <a:latin typeface="Consolas" panose="020B0609020204030204" pitchFamily="49" charset="0"/>
+              </a:rPr>
+              <a:t>'Bagde'</a:t>
+            </a:r>
+            <a:r>
+              <a:rPr lang="en-IN" sz="2000" dirty="0">
+                <a:solidFill>
+                  <a:srgbClr val="D4D4D4"/>
+                </a:solidFill>
+                <a:latin typeface="Consolas" panose="020B0609020204030204" pitchFamily="49" charset="0"/>
+              </a:rPr>
+              <a:t>;</a:t>
+            </a:r>
+          </a:p>
+          <a:p>
+            <a:r>
+              <a:rPr lang="en-IN" sz="2000" dirty="0">
+                <a:solidFill>
+                  <a:srgbClr val="569CD6"/>
+                </a:solidFill>
+                <a:latin typeface="Consolas" panose="020B0609020204030204" pitchFamily="49" charset="0"/>
+              </a:rPr>
+              <a:t>var</a:t>
+            </a:r>
+            <a:r>
+              <a:rPr lang="en-IN" sz="2000" dirty="0">
+                <a:solidFill>
+                  <a:srgbClr val="D4D4D4"/>
+                </a:solidFill>
+                <a:latin typeface="Consolas" panose="020B0609020204030204" pitchFamily="49" charset="0"/>
+              </a:rPr>
+              <a:t> </a:t>
+            </a:r>
+            <a:r>
+              <a:rPr lang="en-IN" sz="2000" dirty="0">
+                <a:solidFill>
+                  <a:srgbClr val="9CDCFE"/>
+                </a:solidFill>
+                <a:latin typeface="Consolas" panose="020B0609020204030204" pitchFamily="49" charset="0"/>
+              </a:rPr>
+              <a:t>type</a:t>
+            </a:r>
+            <a:r>
+              <a:rPr lang="en-IN" sz="2000" dirty="0">
+                <a:solidFill>
+                  <a:srgbClr val="D4D4D4"/>
+                </a:solidFill>
+                <a:latin typeface="Consolas" panose="020B0609020204030204" pitchFamily="49" charset="0"/>
+              </a:rPr>
+              <a:t> = [</a:t>
+            </a:r>
+            <a:r>
+              <a:rPr lang="en-IN" sz="2000" dirty="0">
+                <a:solidFill>
+                  <a:srgbClr val="CE9178"/>
+                </a:solidFill>
+                <a:latin typeface="Consolas" panose="020B0609020204030204" pitchFamily="49" charset="0"/>
+              </a:rPr>
+              <a:t>'Type1'</a:t>
+            </a:r>
+            <a:r>
+              <a:rPr lang="en-IN" sz="2000" dirty="0">
+                <a:solidFill>
+                  <a:srgbClr val="D4D4D4"/>
+                </a:solidFill>
+                <a:latin typeface="Consolas" panose="020B0609020204030204" pitchFamily="49" charset="0"/>
+              </a:rPr>
+              <a:t>, </a:t>
+            </a:r>
+            <a:r>
+              <a:rPr lang="en-IN" sz="2000" dirty="0">
+                <a:solidFill>
+                  <a:srgbClr val="CE9178"/>
+                </a:solidFill>
+                <a:latin typeface="Consolas" panose="020B0609020204030204" pitchFamily="49" charset="0"/>
+              </a:rPr>
+              <a:t>'Type2'</a:t>
+            </a:r>
+            <a:r>
+              <a:rPr lang="en-IN" sz="2000" dirty="0">
+                <a:solidFill>
+                  <a:srgbClr val="D4D4D4"/>
+                </a:solidFill>
+                <a:latin typeface="Consolas" panose="020B0609020204030204" pitchFamily="49" charset="0"/>
+              </a:rPr>
+              <a:t>, </a:t>
+            </a:r>
+            <a:r>
+              <a:rPr lang="en-IN" sz="2000" dirty="0">
+                <a:solidFill>
+                  <a:srgbClr val="CE9178"/>
+                </a:solidFill>
+                <a:latin typeface="Consolas" panose="020B0609020204030204" pitchFamily="49" charset="0"/>
+              </a:rPr>
+              <a:t>'Type3'</a:t>
+            </a:r>
+            <a:r>
+              <a:rPr lang="en-IN" sz="2000" dirty="0">
+                <a:solidFill>
+                  <a:srgbClr val="D4D4D4"/>
+                </a:solidFill>
+                <a:latin typeface="Consolas" panose="020B0609020204030204" pitchFamily="49" charset="0"/>
+              </a:rPr>
+              <a:t>, </a:t>
+            </a:r>
+            <a:r>
+              <a:rPr lang="en-IN" sz="2000" dirty="0">
+                <a:solidFill>
+                  <a:srgbClr val="CE9178"/>
+                </a:solidFill>
+                <a:latin typeface="Consolas" panose="020B0609020204030204" pitchFamily="49" charset="0"/>
+              </a:rPr>
+              <a:t>'Type4'</a:t>
+            </a:r>
+            <a:r>
+              <a:rPr lang="en-IN" sz="2000" dirty="0">
+                <a:solidFill>
+                  <a:srgbClr val="D4D4D4"/>
+                </a:solidFill>
+                <a:latin typeface="Consolas" panose="020B0609020204030204" pitchFamily="49" charset="0"/>
+              </a:rPr>
+              <a:t>];</a:t>
+            </a:r>
+          </a:p>
+          <a:p>
+            <a:r>
+              <a:rPr lang="en-IN" sz="2000" dirty="0">
+                <a:solidFill>
+                  <a:srgbClr val="569CD6"/>
+                </a:solidFill>
+                <a:latin typeface="Consolas" panose="020B0609020204030204" pitchFamily="49" charset="0"/>
+              </a:rPr>
+              <a:t>var</a:t>
+            </a:r>
+            <a:r>
+              <a:rPr lang="en-IN" sz="2000" dirty="0">
+                <a:solidFill>
+                  <a:srgbClr val="D4D4D4"/>
+                </a:solidFill>
+                <a:latin typeface="Consolas" panose="020B0609020204030204" pitchFamily="49" charset="0"/>
+              </a:rPr>
+              <a:t> </a:t>
+            </a:r>
+            <a:r>
+              <a:rPr lang="en-IN" sz="2000" dirty="0">
+                <a:solidFill>
+                  <a:srgbClr val="9CDCFE"/>
+                </a:solidFill>
+                <a:latin typeface="Consolas" panose="020B0609020204030204" pitchFamily="49" charset="0"/>
+              </a:rPr>
+              <a:t>books</a:t>
+            </a:r>
+            <a:r>
+              <a:rPr lang="en-IN" sz="2000" dirty="0">
+                <a:solidFill>
+                  <a:srgbClr val="D4D4D4"/>
+                </a:solidFill>
+                <a:latin typeface="Consolas" panose="020B0609020204030204" pitchFamily="49" charset="0"/>
+              </a:rPr>
+              <a:t> = </a:t>
+            </a:r>
+            <a:r>
+              <a:rPr lang="en-IN" sz="2000" dirty="0" smtClean="0">
+                <a:solidFill>
+                  <a:srgbClr val="D4D4D4"/>
+                </a:solidFill>
+                <a:latin typeface="Consolas" panose="020B0609020204030204" pitchFamily="49" charset="0"/>
+              </a:rPr>
+              <a:t>[{ </a:t>
+            </a:r>
+            <a:r>
+              <a:rPr lang="en-IN" sz="2000" dirty="0">
+                <a:solidFill>
+                  <a:srgbClr val="9CDCFE"/>
+                </a:solidFill>
+                <a:latin typeface="Consolas" panose="020B0609020204030204" pitchFamily="49" charset="0"/>
+              </a:rPr>
+              <a:t>id:</a:t>
+            </a:r>
+            <a:r>
+              <a:rPr lang="en-IN" sz="2000" dirty="0">
+                <a:solidFill>
+                  <a:srgbClr val="D4D4D4"/>
+                </a:solidFill>
+                <a:latin typeface="Consolas" panose="020B0609020204030204" pitchFamily="49" charset="0"/>
+              </a:rPr>
+              <a:t> </a:t>
+            </a:r>
+            <a:r>
+              <a:rPr lang="en-IN" sz="2000" dirty="0">
+                <a:solidFill>
+                  <a:srgbClr val="B5CEA8"/>
+                </a:solidFill>
+                <a:latin typeface="Consolas" panose="020B0609020204030204" pitchFamily="49" charset="0"/>
+              </a:rPr>
+              <a:t>1</a:t>
+            </a:r>
+            <a:r>
+              <a:rPr lang="en-IN" sz="2000" dirty="0">
+                <a:solidFill>
+                  <a:srgbClr val="D4D4D4"/>
+                </a:solidFill>
+                <a:latin typeface="Consolas" panose="020B0609020204030204" pitchFamily="49" charset="0"/>
+              </a:rPr>
+              <a:t>, </a:t>
+            </a:r>
+            <a:r>
+              <a:rPr lang="en-IN" sz="2000" dirty="0">
+                <a:solidFill>
+                  <a:srgbClr val="9CDCFE"/>
+                </a:solidFill>
+                <a:latin typeface="Consolas" panose="020B0609020204030204" pitchFamily="49" charset="0"/>
+              </a:rPr>
+              <a:t>title:</a:t>
+            </a:r>
+            <a:r>
+              <a:rPr lang="en-IN" sz="2000" dirty="0">
+                <a:solidFill>
+                  <a:srgbClr val="D4D4D4"/>
+                </a:solidFill>
+                <a:latin typeface="Consolas" panose="020B0609020204030204" pitchFamily="49" charset="0"/>
+              </a:rPr>
+              <a:t> </a:t>
+            </a:r>
+            <a:r>
+              <a:rPr lang="en-IN" sz="2000" dirty="0">
+                <a:solidFill>
+                  <a:srgbClr val="CE9178"/>
+                </a:solidFill>
+                <a:latin typeface="Consolas" panose="020B0609020204030204" pitchFamily="49" charset="0"/>
+              </a:rPr>
+              <a:t>'Pig'</a:t>
+            </a:r>
+            <a:r>
+              <a:rPr lang="en-IN" sz="2000" dirty="0">
+                <a:solidFill>
+                  <a:srgbClr val="D4D4D4"/>
+                </a:solidFill>
+                <a:latin typeface="Consolas" panose="020B0609020204030204" pitchFamily="49" charset="0"/>
+              </a:rPr>
+              <a:t> </a:t>
+            </a:r>
+            <a:r>
+              <a:rPr lang="en-IN" sz="2000" dirty="0" smtClean="0">
+                <a:solidFill>
+                  <a:srgbClr val="D4D4D4"/>
+                </a:solidFill>
+                <a:latin typeface="Consolas" panose="020B0609020204030204" pitchFamily="49" charset="0"/>
+              </a:rPr>
+              <a:t>}, { </a:t>
+            </a:r>
+            <a:r>
+              <a:rPr lang="en-IN" sz="2000" dirty="0">
+                <a:solidFill>
+                  <a:srgbClr val="9CDCFE"/>
+                </a:solidFill>
+                <a:latin typeface="Consolas" panose="020B0609020204030204" pitchFamily="49" charset="0"/>
+              </a:rPr>
+              <a:t>id:</a:t>
+            </a:r>
+            <a:r>
+              <a:rPr lang="en-IN" sz="2000" dirty="0">
+                <a:solidFill>
+                  <a:srgbClr val="D4D4D4"/>
+                </a:solidFill>
+                <a:latin typeface="Consolas" panose="020B0609020204030204" pitchFamily="49" charset="0"/>
+              </a:rPr>
+              <a:t> </a:t>
+            </a:r>
+            <a:r>
+              <a:rPr lang="en-IN" sz="2000" dirty="0">
+                <a:solidFill>
+                  <a:srgbClr val="B5CEA8"/>
+                </a:solidFill>
+                <a:latin typeface="Consolas" panose="020B0609020204030204" pitchFamily="49" charset="0"/>
+              </a:rPr>
+              <a:t>2</a:t>
+            </a:r>
+            <a:r>
+              <a:rPr lang="en-IN" sz="2000" dirty="0">
+                <a:solidFill>
+                  <a:srgbClr val="D4D4D4"/>
+                </a:solidFill>
+                <a:latin typeface="Consolas" panose="020B0609020204030204" pitchFamily="49" charset="0"/>
+              </a:rPr>
+              <a:t>, </a:t>
+            </a:r>
+            <a:r>
+              <a:rPr lang="en-IN" sz="2000" dirty="0">
+                <a:solidFill>
+                  <a:srgbClr val="9CDCFE"/>
+                </a:solidFill>
+                <a:latin typeface="Consolas" panose="020B0609020204030204" pitchFamily="49" charset="0"/>
+              </a:rPr>
+              <a:t>title:</a:t>
+            </a:r>
+            <a:r>
+              <a:rPr lang="en-IN" sz="2000" dirty="0">
+                <a:solidFill>
+                  <a:srgbClr val="D4D4D4"/>
+                </a:solidFill>
+                <a:latin typeface="Consolas" panose="020B0609020204030204" pitchFamily="49" charset="0"/>
+              </a:rPr>
+              <a:t> </a:t>
+            </a:r>
+            <a:r>
+              <a:rPr lang="en-IN" sz="2000" dirty="0">
+                <a:solidFill>
+                  <a:srgbClr val="CE9178"/>
+                </a:solidFill>
+                <a:latin typeface="Consolas" panose="020B0609020204030204" pitchFamily="49" charset="0"/>
+              </a:rPr>
+              <a:t>'hive'</a:t>
+            </a:r>
+            <a:r>
+              <a:rPr lang="en-IN" sz="2000" dirty="0">
+                <a:solidFill>
+                  <a:srgbClr val="D4D4D4"/>
+                </a:solidFill>
+                <a:latin typeface="Consolas" panose="020B0609020204030204" pitchFamily="49" charset="0"/>
+              </a:rPr>
+              <a:t> </a:t>
+            </a:r>
+            <a:r>
+              <a:rPr lang="en-IN" sz="2000" dirty="0" smtClean="0">
+                <a:solidFill>
+                  <a:srgbClr val="D4D4D4"/>
+                </a:solidFill>
+                <a:latin typeface="Consolas" panose="020B0609020204030204" pitchFamily="49" charset="0"/>
+              </a:rPr>
+              <a:t>}, { </a:t>
+            </a:r>
+            <a:r>
+              <a:rPr lang="en-IN" sz="2000" dirty="0">
+                <a:solidFill>
+                  <a:srgbClr val="9CDCFE"/>
+                </a:solidFill>
+                <a:latin typeface="Consolas" panose="020B0609020204030204" pitchFamily="49" charset="0"/>
+              </a:rPr>
+              <a:t>id:</a:t>
+            </a:r>
+            <a:r>
+              <a:rPr lang="en-IN" sz="2000" dirty="0">
+                <a:solidFill>
+                  <a:srgbClr val="D4D4D4"/>
+                </a:solidFill>
+                <a:latin typeface="Consolas" panose="020B0609020204030204" pitchFamily="49" charset="0"/>
+              </a:rPr>
+              <a:t> </a:t>
+            </a:r>
+            <a:r>
+              <a:rPr lang="en-IN" sz="2000" dirty="0">
+                <a:solidFill>
+                  <a:srgbClr val="B5CEA8"/>
+                </a:solidFill>
+                <a:latin typeface="Consolas" panose="020B0609020204030204" pitchFamily="49" charset="0"/>
+              </a:rPr>
+              <a:t>3</a:t>
+            </a:r>
+            <a:r>
+              <a:rPr lang="en-IN" sz="2000" dirty="0">
+                <a:solidFill>
+                  <a:srgbClr val="D4D4D4"/>
+                </a:solidFill>
+                <a:latin typeface="Consolas" panose="020B0609020204030204" pitchFamily="49" charset="0"/>
+              </a:rPr>
+              <a:t>, </a:t>
+            </a:r>
+            <a:r>
+              <a:rPr lang="en-IN" sz="2000" dirty="0">
+                <a:solidFill>
+                  <a:srgbClr val="9CDCFE"/>
+                </a:solidFill>
+                <a:latin typeface="Consolas" panose="020B0609020204030204" pitchFamily="49" charset="0"/>
+              </a:rPr>
+              <a:t>title:</a:t>
+            </a:r>
+            <a:r>
+              <a:rPr lang="en-IN" sz="2000" dirty="0">
+                <a:solidFill>
+                  <a:srgbClr val="D4D4D4"/>
+                </a:solidFill>
+                <a:latin typeface="Consolas" panose="020B0609020204030204" pitchFamily="49" charset="0"/>
+              </a:rPr>
+              <a:t> </a:t>
+            </a:r>
+            <a:r>
+              <a:rPr lang="en-IN" sz="2000" dirty="0">
+                <a:solidFill>
+                  <a:srgbClr val="CE9178"/>
+                </a:solidFill>
+                <a:latin typeface="Consolas" panose="020B0609020204030204" pitchFamily="49" charset="0"/>
+              </a:rPr>
+              <a:t>'redis'</a:t>
+            </a:r>
+            <a:r>
+              <a:rPr lang="en-IN" sz="2000" dirty="0">
+                <a:solidFill>
+                  <a:srgbClr val="D4D4D4"/>
+                </a:solidFill>
+                <a:latin typeface="Consolas" panose="020B0609020204030204" pitchFamily="49" charset="0"/>
+              </a:rPr>
+              <a:t> </a:t>
+            </a:r>
+            <a:r>
+              <a:rPr lang="en-IN" sz="2000" dirty="0" smtClean="0">
+                <a:solidFill>
+                  <a:srgbClr val="D4D4D4"/>
+                </a:solidFill>
+                <a:latin typeface="Consolas" panose="020B0609020204030204" pitchFamily="49" charset="0"/>
+              </a:rPr>
+              <a:t>}, { </a:t>
+            </a:r>
+            <a:r>
+              <a:rPr lang="en-IN" sz="2000" dirty="0">
+                <a:solidFill>
+                  <a:srgbClr val="9CDCFE"/>
+                </a:solidFill>
+                <a:latin typeface="Consolas" panose="020B0609020204030204" pitchFamily="49" charset="0"/>
+              </a:rPr>
+              <a:t>id:</a:t>
+            </a:r>
+            <a:r>
+              <a:rPr lang="en-IN" sz="2000" dirty="0">
+                <a:solidFill>
+                  <a:srgbClr val="D4D4D4"/>
+                </a:solidFill>
+                <a:latin typeface="Consolas" panose="020B0609020204030204" pitchFamily="49" charset="0"/>
+              </a:rPr>
+              <a:t> </a:t>
+            </a:r>
+            <a:r>
+              <a:rPr lang="en-IN" sz="2000" dirty="0">
+                <a:solidFill>
+                  <a:srgbClr val="B5CEA8"/>
+                </a:solidFill>
+                <a:latin typeface="Consolas" panose="020B0609020204030204" pitchFamily="49" charset="0"/>
+              </a:rPr>
+              <a:t>4</a:t>
+            </a:r>
+            <a:r>
+              <a:rPr lang="en-IN" sz="2000" dirty="0">
+                <a:solidFill>
+                  <a:srgbClr val="D4D4D4"/>
+                </a:solidFill>
+                <a:latin typeface="Consolas" panose="020B0609020204030204" pitchFamily="49" charset="0"/>
+              </a:rPr>
+              <a:t>, </a:t>
+            </a:r>
+            <a:r>
+              <a:rPr lang="en-IN" sz="2000" dirty="0">
+                <a:solidFill>
+                  <a:srgbClr val="9CDCFE"/>
+                </a:solidFill>
+                <a:latin typeface="Consolas" panose="020B0609020204030204" pitchFamily="49" charset="0"/>
+              </a:rPr>
+              <a:t>title:</a:t>
+            </a:r>
+            <a:r>
+              <a:rPr lang="en-IN" sz="2000" dirty="0">
+                <a:solidFill>
+                  <a:srgbClr val="D4D4D4"/>
+                </a:solidFill>
+                <a:latin typeface="Consolas" panose="020B0609020204030204" pitchFamily="49" charset="0"/>
+              </a:rPr>
+              <a:t> </a:t>
+            </a:r>
+            <a:r>
+              <a:rPr lang="en-IN" sz="2000" dirty="0">
+                <a:solidFill>
+                  <a:srgbClr val="CE9178"/>
+                </a:solidFill>
+                <a:latin typeface="Consolas" panose="020B0609020204030204" pitchFamily="49" charset="0"/>
+              </a:rPr>
+              <a:t>'</a:t>
+            </a:r>
+            <a:r>
+              <a:rPr lang="en-IN" sz="2000" dirty="0" err="1">
+                <a:solidFill>
+                  <a:srgbClr val="CE9178"/>
+                </a:solidFill>
+                <a:latin typeface="Consolas" panose="020B0609020204030204" pitchFamily="49" charset="0"/>
+              </a:rPr>
+              <a:t>hBase</a:t>
+            </a:r>
+            <a:r>
+              <a:rPr lang="en-IN" sz="2000" dirty="0">
+                <a:solidFill>
+                  <a:srgbClr val="CE9178"/>
+                </a:solidFill>
+                <a:latin typeface="Consolas" panose="020B0609020204030204" pitchFamily="49" charset="0"/>
+              </a:rPr>
+              <a:t>'</a:t>
+            </a:r>
+            <a:r>
+              <a:rPr lang="en-IN" sz="2000" dirty="0">
+                <a:solidFill>
+                  <a:srgbClr val="D4D4D4"/>
+                </a:solidFill>
+                <a:latin typeface="Consolas" panose="020B0609020204030204" pitchFamily="49" charset="0"/>
+              </a:rPr>
+              <a:t> </a:t>
+            </a:r>
+            <a:r>
+              <a:rPr lang="en-IN" sz="2000" dirty="0" smtClean="0">
+                <a:solidFill>
+                  <a:srgbClr val="D4D4D4"/>
+                </a:solidFill>
+                <a:latin typeface="Consolas" panose="020B0609020204030204" pitchFamily="49" charset="0"/>
+              </a:rPr>
+              <a:t>} ];</a:t>
+            </a:r>
+            <a:endParaRPr lang="en-IN" sz="2000" dirty="0">
+              <a:solidFill>
+                <a:srgbClr val="D4D4D4"/>
+              </a:solidFill>
+              <a:latin typeface="Consolas" panose="020B0609020204030204" pitchFamily="49" charset="0"/>
+            </a:endParaRPr>
+          </a:p>
+          <a:p>
+            <a:r>
+              <a:rPr lang="en-IN" sz="2000" dirty="0">
+                <a:solidFill>
+                  <a:srgbClr val="D4D4D4"/>
+                </a:solidFill>
+                <a:latin typeface="Consolas" panose="020B0609020204030204" pitchFamily="49" charset="0"/>
+              </a:rPr>
+              <a:t/>
+            </a:r>
+            <a:br>
+              <a:rPr lang="en-IN" sz="2000" dirty="0">
+                <a:solidFill>
+                  <a:srgbClr val="D4D4D4"/>
+                </a:solidFill>
+                <a:latin typeface="Consolas" panose="020B0609020204030204" pitchFamily="49" charset="0"/>
+              </a:rPr>
+            </a:br>
+            <a:r>
+              <a:rPr lang="en-IN" sz="2000" dirty="0">
+                <a:solidFill>
+                  <a:srgbClr val="4EC9B0"/>
+                </a:solidFill>
+                <a:latin typeface="Consolas" panose="020B0609020204030204" pitchFamily="49" charset="0"/>
+              </a:rPr>
+              <a:t>module</a:t>
+            </a:r>
+            <a:r>
+              <a:rPr lang="en-IN" sz="2000" dirty="0">
+                <a:solidFill>
+                  <a:srgbClr val="D4D4D4"/>
+                </a:solidFill>
+                <a:latin typeface="Consolas" panose="020B0609020204030204" pitchFamily="49" charset="0"/>
+              </a:rPr>
+              <a:t>.</a:t>
+            </a:r>
+            <a:r>
+              <a:rPr lang="en-IN" sz="2000" dirty="0">
+                <a:solidFill>
+                  <a:srgbClr val="4EC9B0"/>
+                </a:solidFill>
+                <a:latin typeface="Consolas" panose="020B0609020204030204" pitchFamily="49" charset="0"/>
+              </a:rPr>
+              <a:t>exports</a:t>
+            </a:r>
+            <a:r>
+              <a:rPr lang="en-IN" sz="2000" dirty="0">
+                <a:solidFill>
+                  <a:srgbClr val="D4D4D4"/>
+                </a:solidFill>
+                <a:latin typeface="Consolas" panose="020B0609020204030204" pitchFamily="49" charset="0"/>
+              </a:rPr>
+              <a:t> = </a:t>
+            </a:r>
+            <a:r>
+              <a:rPr lang="en-IN" sz="2000" dirty="0">
+                <a:solidFill>
+                  <a:srgbClr val="9CDCFE"/>
+                </a:solidFill>
+                <a:latin typeface="Consolas" panose="020B0609020204030204" pitchFamily="49" charset="0"/>
+              </a:rPr>
+              <a:t>id</a:t>
+            </a:r>
+            <a:r>
+              <a:rPr lang="en-IN" sz="2000" dirty="0">
+                <a:solidFill>
+                  <a:srgbClr val="D4D4D4"/>
+                </a:solidFill>
+                <a:latin typeface="Consolas" panose="020B0609020204030204" pitchFamily="49" charset="0"/>
+              </a:rPr>
+              <a:t>;</a:t>
+            </a:r>
+          </a:p>
+          <a:p>
+            <a:r>
+              <a:rPr lang="en-IN" sz="2000" dirty="0">
+                <a:solidFill>
+                  <a:srgbClr val="4EC9B0"/>
+                </a:solidFill>
+                <a:latin typeface="Consolas" panose="020B0609020204030204" pitchFamily="49" charset="0"/>
+              </a:rPr>
+              <a:t>module</a:t>
+            </a:r>
+            <a:r>
+              <a:rPr lang="en-IN" sz="2000" dirty="0">
+                <a:solidFill>
+                  <a:srgbClr val="D4D4D4"/>
+                </a:solidFill>
+                <a:latin typeface="Consolas" panose="020B0609020204030204" pitchFamily="49" charset="0"/>
+              </a:rPr>
+              <a:t>.</a:t>
+            </a:r>
+            <a:r>
+              <a:rPr lang="en-IN" sz="2000" dirty="0">
+                <a:solidFill>
+                  <a:srgbClr val="4EC9B0"/>
+                </a:solidFill>
+                <a:latin typeface="Consolas" panose="020B0609020204030204" pitchFamily="49" charset="0"/>
+              </a:rPr>
+              <a:t>exports</a:t>
+            </a:r>
+            <a:r>
+              <a:rPr lang="en-IN" sz="2000" dirty="0">
+                <a:solidFill>
+                  <a:srgbClr val="D4D4D4"/>
+                </a:solidFill>
+                <a:latin typeface="Consolas" panose="020B0609020204030204" pitchFamily="49" charset="0"/>
+              </a:rPr>
+              <a:t> = </a:t>
+            </a:r>
+            <a:r>
+              <a:rPr lang="en-IN" sz="2000" dirty="0">
+                <a:solidFill>
+                  <a:srgbClr val="9CDCFE"/>
+                </a:solidFill>
+                <a:latin typeface="Consolas" panose="020B0609020204030204" pitchFamily="49" charset="0"/>
+              </a:rPr>
+              <a:t>firstName</a:t>
+            </a:r>
+            <a:r>
+              <a:rPr lang="en-IN" sz="2000" dirty="0">
+                <a:solidFill>
+                  <a:srgbClr val="D4D4D4"/>
+                </a:solidFill>
+                <a:latin typeface="Consolas" panose="020B0609020204030204" pitchFamily="49" charset="0"/>
+              </a:rPr>
+              <a:t>;</a:t>
+            </a:r>
+          </a:p>
+          <a:p>
+            <a:r>
+              <a:rPr lang="en-IN" sz="2000" dirty="0">
+                <a:solidFill>
+                  <a:srgbClr val="4EC9B0"/>
+                </a:solidFill>
+                <a:latin typeface="Consolas" panose="020B0609020204030204" pitchFamily="49" charset="0"/>
+              </a:rPr>
+              <a:t>module</a:t>
+            </a:r>
+            <a:r>
+              <a:rPr lang="en-IN" sz="2000" dirty="0">
+                <a:solidFill>
+                  <a:srgbClr val="D4D4D4"/>
+                </a:solidFill>
+                <a:latin typeface="Consolas" panose="020B0609020204030204" pitchFamily="49" charset="0"/>
+              </a:rPr>
+              <a:t>.</a:t>
+            </a:r>
+            <a:r>
+              <a:rPr lang="en-IN" sz="2000" dirty="0">
+                <a:solidFill>
+                  <a:srgbClr val="4EC9B0"/>
+                </a:solidFill>
+                <a:latin typeface="Consolas" panose="020B0609020204030204" pitchFamily="49" charset="0"/>
+              </a:rPr>
+              <a:t>exports</a:t>
+            </a:r>
+            <a:r>
+              <a:rPr lang="en-IN" sz="2000" dirty="0">
+                <a:solidFill>
+                  <a:srgbClr val="D4D4D4"/>
+                </a:solidFill>
+                <a:latin typeface="Consolas" panose="020B0609020204030204" pitchFamily="49" charset="0"/>
+              </a:rPr>
+              <a:t> = </a:t>
+            </a:r>
+            <a:r>
+              <a:rPr lang="en-IN" sz="2000" dirty="0">
+                <a:solidFill>
+                  <a:srgbClr val="9CDCFE"/>
+                </a:solidFill>
+                <a:latin typeface="Consolas" panose="020B0609020204030204" pitchFamily="49" charset="0"/>
+              </a:rPr>
+              <a:t>lastName</a:t>
+            </a:r>
+            <a:r>
+              <a:rPr lang="en-IN" sz="2000" dirty="0">
+                <a:solidFill>
+                  <a:srgbClr val="D4D4D4"/>
+                </a:solidFill>
+                <a:latin typeface="Consolas" panose="020B0609020204030204" pitchFamily="49" charset="0"/>
+              </a:rPr>
+              <a:t>;</a:t>
+            </a:r>
+          </a:p>
+          <a:p>
+            <a:r>
+              <a:rPr lang="en-IN" sz="2000" dirty="0">
+                <a:solidFill>
+                  <a:srgbClr val="4EC9B0"/>
+                </a:solidFill>
+                <a:latin typeface="Consolas" panose="020B0609020204030204" pitchFamily="49" charset="0"/>
+              </a:rPr>
+              <a:t>module</a:t>
+            </a:r>
+            <a:r>
+              <a:rPr lang="en-IN" sz="2000" dirty="0">
+                <a:solidFill>
+                  <a:srgbClr val="D4D4D4"/>
+                </a:solidFill>
+                <a:latin typeface="Consolas" panose="020B0609020204030204" pitchFamily="49" charset="0"/>
+              </a:rPr>
+              <a:t>.</a:t>
+            </a:r>
+            <a:r>
+              <a:rPr lang="en-IN" sz="2000" dirty="0">
+                <a:solidFill>
+                  <a:srgbClr val="4EC9B0"/>
+                </a:solidFill>
+                <a:latin typeface="Consolas" panose="020B0609020204030204" pitchFamily="49" charset="0"/>
+              </a:rPr>
+              <a:t>exports</a:t>
+            </a:r>
+            <a:r>
+              <a:rPr lang="en-IN" sz="2000" dirty="0">
+                <a:solidFill>
+                  <a:srgbClr val="D4D4D4"/>
+                </a:solidFill>
+                <a:latin typeface="Consolas" panose="020B0609020204030204" pitchFamily="49" charset="0"/>
+              </a:rPr>
+              <a:t> = </a:t>
+            </a:r>
+            <a:r>
+              <a:rPr lang="en-IN" sz="2000" dirty="0">
+                <a:solidFill>
+                  <a:srgbClr val="9CDCFE"/>
+                </a:solidFill>
+                <a:latin typeface="Consolas" panose="020B0609020204030204" pitchFamily="49" charset="0"/>
+              </a:rPr>
+              <a:t>books</a:t>
+            </a:r>
+            <a:r>
+              <a:rPr lang="en-IN" sz="2000" dirty="0">
+                <a:solidFill>
+                  <a:srgbClr val="D4D4D4"/>
+                </a:solidFill>
+                <a:latin typeface="Consolas" panose="020B0609020204030204" pitchFamily="49" charset="0"/>
+              </a:rPr>
+              <a:t>;</a:t>
+            </a:r>
+            <a:endParaRPr lang="en-IN" sz="2000" b="0" dirty="0">
+              <a:solidFill>
+                <a:srgbClr val="D4D4D4"/>
+              </a:solidFill>
+              <a:effectLst/>
+              <a:latin typeface="Consolas" panose="020B0609020204030204" pitchFamily="49" charset="0"/>
+            </a:endParaRPr>
+          </a:p>
+        </p:txBody>
+      </p:sp>
+      <p:sp>
+        <p:nvSpPr>
+          <p:cNvPr id="19" name="Rectangle 18"/>
+          <p:cNvSpPr/>
+          <p:nvPr/>
+        </p:nvSpPr>
+        <p:spPr>
+          <a:xfrm>
             <a:off x="57822" y="808910"/>
             <a:ext cx="2238113" cy="461665"/>
           </a:xfrm>
@@ -7722,6 +8659,464 @@
               <a:effectLst/>
               <a:latin typeface="Helvetica Neue"/>
             </a:endParaRPr>
+          </a:p>
+        </p:txBody>
+      </p:sp>
+      <p:sp>
+        <p:nvSpPr>
+          <p:cNvPr id="21" name="Rectangle 20"/>
+          <p:cNvSpPr/>
+          <p:nvPr/>
+        </p:nvSpPr>
+        <p:spPr>
+          <a:xfrm>
+            <a:off x="197757" y="4924961"/>
+            <a:ext cx="4572000" cy="1323439"/>
+          </a:xfrm>
+          <a:prstGeom prst="rect">
+            <a:avLst/>
+          </a:prstGeom>
+        </p:spPr>
+        <p:txBody>
+          <a:bodyPr>
+            <a:spAutoFit/>
+          </a:bodyPr>
+          <a:lstStyle/>
+          <a:p>
+            <a:r>
+              <a:rPr lang="en-IN" sz="2000" dirty="0">
+                <a:solidFill>
+                  <a:srgbClr val="4EC9B0"/>
+                </a:solidFill>
+                <a:latin typeface="Consolas" panose="020B0609020204030204" pitchFamily="49" charset="0"/>
+              </a:rPr>
+              <a:t>exports</a:t>
+            </a:r>
+            <a:r>
+              <a:rPr lang="en-IN" sz="2000" dirty="0">
+                <a:solidFill>
+                  <a:srgbClr val="D4D4D4"/>
+                </a:solidFill>
+                <a:latin typeface="Consolas" panose="020B0609020204030204" pitchFamily="49" charset="0"/>
+              </a:rPr>
+              <a:t>.</a:t>
+            </a:r>
+            <a:r>
+              <a:rPr lang="en-IN" sz="2000" dirty="0">
+                <a:solidFill>
+                  <a:srgbClr val="9CDCFE"/>
+                </a:solidFill>
+                <a:latin typeface="Consolas" panose="020B0609020204030204" pitchFamily="49" charset="0"/>
+              </a:rPr>
+              <a:t>id</a:t>
+            </a:r>
+            <a:r>
+              <a:rPr lang="en-IN" sz="2000" dirty="0">
+                <a:solidFill>
+                  <a:srgbClr val="D4D4D4"/>
+                </a:solidFill>
+                <a:latin typeface="Consolas" panose="020B0609020204030204" pitchFamily="49" charset="0"/>
+              </a:rPr>
+              <a:t> = </a:t>
+            </a:r>
+            <a:r>
+              <a:rPr lang="en-IN" sz="2000" dirty="0">
+                <a:solidFill>
+                  <a:srgbClr val="9CDCFE"/>
+                </a:solidFill>
+                <a:latin typeface="Consolas" panose="020B0609020204030204" pitchFamily="49" charset="0"/>
+              </a:rPr>
+              <a:t>id</a:t>
+            </a:r>
+            <a:r>
+              <a:rPr lang="en-IN" sz="2000" dirty="0">
+                <a:solidFill>
+                  <a:srgbClr val="D4D4D4"/>
+                </a:solidFill>
+                <a:latin typeface="Consolas" panose="020B0609020204030204" pitchFamily="49" charset="0"/>
+              </a:rPr>
+              <a:t>;</a:t>
+            </a:r>
+          </a:p>
+          <a:p>
+            <a:r>
+              <a:rPr lang="en-IN" sz="2000" dirty="0">
+                <a:solidFill>
+                  <a:srgbClr val="4EC9B0"/>
+                </a:solidFill>
+                <a:latin typeface="Consolas" panose="020B0609020204030204" pitchFamily="49" charset="0"/>
+              </a:rPr>
+              <a:t>exports</a:t>
+            </a:r>
+            <a:r>
+              <a:rPr lang="en-IN" sz="2000" dirty="0">
+                <a:solidFill>
+                  <a:srgbClr val="D4D4D4"/>
+                </a:solidFill>
+                <a:latin typeface="Consolas" panose="020B0609020204030204" pitchFamily="49" charset="0"/>
+              </a:rPr>
+              <a:t>.</a:t>
+            </a:r>
+            <a:r>
+              <a:rPr lang="en-IN" sz="2000" dirty="0">
+                <a:solidFill>
+                  <a:srgbClr val="9CDCFE"/>
+                </a:solidFill>
+                <a:latin typeface="Consolas" panose="020B0609020204030204" pitchFamily="49" charset="0"/>
+              </a:rPr>
+              <a:t>firstName</a:t>
+            </a:r>
+            <a:r>
+              <a:rPr lang="en-IN" sz="2000" dirty="0">
+                <a:solidFill>
+                  <a:srgbClr val="D4D4D4"/>
+                </a:solidFill>
+                <a:latin typeface="Consolas" panose="020B0609020204030204" pitchFamily="49" charset="0"/>
+              </a:rPr>
+              <a:t> = </a:t>
+            </a:r>
+            <a:r>
+              <a:rPr lang="en-IN" sz="2000" dirty="0">
+                <a:solidFill>
+                  <a:srgbClr val="9CDCFE"/>
+                </a:solidFill>
+                <a:latin typeface="Consolas" panose="020B0609020204030204" pitchFamily="49" charset="0"/>
+              </a:rPr>
+              <a:t>firstName</a:t>
+            </a:r>
+            <a:r>
+              <a:rPr lang="en-IN" sz="2000" dirty="0">
+                <a:solidFill>
+                  <a:srgbClr val="D4D4D4"/>
+                </a:solidFill>
+                <a:latin typeface="Consolas" panose="020B0609020204030204" pitchFamily="49" charset="0"/>
+              </a:rPr>
+              <a:t>;</a:t>
+            </a:r>
+          </a:p>
+          <a:p>
+            <a:r>
+              <a:rPr lang="en-IN" sz="2000" dirty="0">
+                <a:solidFill>
+                  <a:srgbClr val="4EC9B0"/>
+                </a:solidFill>
+                <a:latin typeface="Consolas" panose="020B0609020204030204" pitchFamily="49" charset="0"/>
+              </a:rPr>
+              <a:t>exports</a:t>
+            </a:r>
+            <a:r>
+              <a:rPr lang="en-IN" sz="2000" dirty="0">
+                <a:solidFill>
+                  <a:srgbClr val="D4D4D4"/>
+                </a:solidFill>
+                <a:latin typeface="Consolas" panose="020B0609020204030204" pitchFamily="49" charset="0"/>
+              </a:rPr>
+              <a:t>.</a:t>
+            </a:r>
+            <a:r>
+              <a:rPr lang="en-IN" sz="2000" dirty="0">
+                <a:solidFill>
+                  <a:srgbClr val="9CDCFE"/>
+                </a:solidFill>
+                <a:latin typeface="Consolas" panose="020B0609020204030204" pitchFamily="49" charset="0"/>
+              </a:rPr>
+              <a:t>lastName</a:t>
+            </a:r>
+            <a:r>
+              <a:rPr lang="en-IN" sz="2000" dirty="0">
+                <a:solidFill>
+                  <a:srgbClr val="D4D4D4"/>
+                </a:solidFill>
+                <a:latin typeface="Consolas" panose="020B0609020204030204" pitchFamily="49" charset="0"/>
+              </a:rPr>
+              <a:t> = </a:t>
+            </a:r>
+            <a:r>
+              <a:rPr lang="en-IN" sz="2000" dirty="0">
+                <a:solidFill>
+                  <a:srgbClr val="9CDCFE"/>
+                </a:solidFill>
+                <a:latin typeface="Consolas" panose="020B0609020204030204" pitchFamily="49" charset="0"/>
+              </a:rPr>
+              <a:t>lastName</a:t>
+            </a:r>
+            <a:r>
+              <a:rPr lang="en-IN" sz="2000" dirty="0">
+                <a:solidFill>
+                  <a:srgbClr val="D4D4D4"/>
+                </a:solidFill>
+                <a:latin typeface="Consolas" panose="020B0609020204030204" pitchFamily="49" charset="0"/>
+              </a:rPr>
+              <a:t>;</a:t>
+            </a:r>
+          </a:p>
+          <a:p>
+            <a:r>
+              <a:rPr lang="en-IN" sz="2000" dirty="0">
+                <a:solidFill>
+                  <a:srgbClr val="4EC9B0"/>
+                </a:solidFill>
+                <a:latin typeface="Consolas" panose="020B0609020204030204" pitchFamily="49" charset="0"/>
+              </a:rPr>
+              <a:t>exports</a:t>
+            </a:r>
+            <a:r>
+              <a:rPr lang="en-IN" sz="2000" dirty="0">
+                <a:solidFill>
+                  <a:srgbClr val="D4D4D4"/>
+                </a:solidFill>
+                <a:latin typeface="Consolas" panose="020B0609020204030204" pitchFamily="49" charset="0"/>
+              </a:rPr>
+              <a:t>.</a:t>
+            </a:r>
+            <a:r>
+              <a:rPr lang="en-IN" sz="2000" dirty="0">
+                <a:solidFill>
+                  <a:srgbClr val="9CDCFE"/>
+                </a:solidFill>
+                <a:latin typeface="Consolas" panose="020B0609020204030204" pitchFamily="49" charset="0"/>
+              </a:rPr>
+              <a:t>books</a:t>
+            </a:r>
+            <a:r>
+              <a:rPr lang="en-IN" sz="2000" dirty="0">
+                <a:solidFill>
+                  <a:srgbClr val="D4D4D4"/>
+                </a:solidFill>
+                <a:latin typeface="Consolas" panose="020B0609020204030204" pitchFamily="49" charset="0"/>
+              </a:rPr>
+              <a:t> = </a:t>
+            </a:r>
+            <a:r>
+              <a:rPr lang="en-IN" sz="2000" dirty="0">
+                <a:solidFill>
+                  <a:srgbClr val="9CDCFE"/>
+                </a:solidFill>
+                <a:latin typeface="Consolas" panose="020B0609020204030204" pitchFamily="49" charset="0"/>
+              </a:rPr>
+              <a:t>books</a:t>
+            </a:r>
+            <a:r>
+              <a:rPr lang="en-IN" sz="2000" dirty="0">
+                <a:solidFill>
+                  <a:srgbClr val="D4D4D4"/>
+                </a:solidFill>
+                <a:latin typeface="Consolas" panose="020B0609020204030204" pitchFamily="49" charset="0"/>
+              </a:rPr>
+              <a:t>; </a:t>
+            </a:r>
+            <a:endParaRPr lang="en-IN" sz="2000" b="0" dirty="0">
+              <a:solidFill>
+                <a:srgbClr val="D4D4D4"/>
+              </a:solidFill>
+              <a:effectLst/>
+              <a:latin typeface="Consolas" panose="020B0609020204030204" pitchFamily="49" charset="0"/>
+            </a:endParaRPr>
+          </a:p>
+        </p:txBody>
+      </p:sp>
+      <p:cxnSp>
+        <p:nvCxnSpPr>
+          <p:cNvPr id="23" name="Straight Arrow Connector 22"/>
+          <p:cNvCxnSpPr>
+            <a:endCxn id="28" idx="1"/>
+          </p:cNvCxnSpPr>
+          <p:nvPr/>
+        </p:nvCxnSpPr>
+        <p:spPr>
+          <a:xfrm>
+            <a:off x="3962400" y="4343400"/>
+            <a:ext cx="762000" cy="0"/>
+          </a:xfrm>
+          <a:prstGeom prst="straightConnector1">
+            <a:avLst/>
+          </a:prstGeom>
+          <a:ln w="28575">
+            <a:solidFill>
+              <a:srgbClr val="00B050"/>
+            </a:solidFill>
+            <a:headEnd type="triangle" w="med" len="med"/>
+            <a:tailEnd type="triangle" w="med" len="med"/>
+          </a:ln>
+        </p:spPr>
+        <p:style>
+          <a:lnRef idx="1">
+            <a:schemeClr val="accent1"/>
+          </a:lnRef>
+          <a:fillRef idx="0">
+            <a:schemeClr val="accent1"/>
+          </a:fillRef>
+          <a:effectRef idx="0">
+            <a:schemeClr val="accent1"/>
+          </a:effectRef>
+          <a:fontRef idx="minor">
+            <a:schemeClr val="tx1"/>
+          </a:fontRef>
+        </p:style>
+      </p:cxnSp>
+      <p:pic>
+        <p:nvPicPr>
+          <p:cNvPr id="27" name="Picture 26"/>
+          <p:cNvPicPr>
+            <a:picLocks noChangeAspect="1"/>
+          </p:cNvPicPr>
+          <p:nvPr/>
+        </p:nvPicPr>
+        <p:blipFill>
+          <a:blip r:embed="rId2"/>
+          <a:stretch>
+            <a:fillRect/>
+          </a:stretch>
+        </p:blipFill>
+        <p:spPr>
+          <a:xfrm>
+            <a:off x="5114925" y="5438239"/>
+            <a:ext cx="3876675" cy="762000"/>
+          </a:xfrm>
+          <a:prstGeom prst="rect">
+            <a:avLst/>
+          </a:prstGeom>
+        </p:spPr>
+      </p:pic>
+      <p:pic>
+        <p:nvPicPr>
+          <p:cNvPr id="28" name="Picture 27"/>
+          <p:cNvPicPr>
+            <a:picLocks noChangeAspect="1"/>
+          </p:cNvPicPr>
+          <p:nvPr/>
+        </p:nvPicPr>
+        <p:blipFill>
+          <a:blip r:embed="rId3"/>
+          <a:stretch>
+            <a:fillRect/>
+          </a:stretch>
+        </p:blipFill>
+        <p:spPr>
+          <a:xfrm>
+            <a:off x="4724400" y="3910012"/>
+            <a:ext cx="3467100" cy="866775"/>
+          </a:xfrm>
+          <a:prstGeom prst="rect">
+            <a:avLst/>
+          </a:prstGeom>
+        </p:spPr>
+      </p:pic>
+      <p:cxnSp>
+        <p:nvCxnSpPr>
+          <p:cNvPr id="29" name="Straight Arrow Connector 28"/>
+          <p:cNvCxnSpPr/>
+          <p:nvPr/>
+        </p:nvCxnSpPr>
+        <p:spPr>
+          <a:xfrm>
+            <a:off x="4573067" y="5819239"/>
+            <a:ext cx="608533" cy="0"/>
+          </a:xfrm>
+          <a:prstGeom prst="straightConnector1">
+            <a:avLst/>
+          </a:prstGeom>
+          <a:ln w="28575">
+            <a:solidFill>
+              <a:srgbClr val="00B050"/>
+            </a:solidFill>
+            <a:headEnd type="triangle" w="med" len="med"/>
+            <a:tailEnd type="triangle" w="med" len="med"/>
+          </a:ln>
+        </p:spPr>
+        <p:style>
+          <a:lnRef idx="1">
+            <a:schemeClr val="accent1"/>
+          </a:lnRef>
+          <a:fillRef idx="0">
+            <a:schemeClr val="accent1"/>
+          </a:fillRef>
+          <a:effectRef idx="0">
+            <a:schemeClr val="accent1"/>
+          </a:effectRef>
+          <a:fontRef idx="minor">
+            <a:schemeClr val="tx1"/>
+          </a:fontRef>
+        </p:style>
+      </p:cxnSp>
+      <p:cxnSp>
+        <p:nvCxnSpPr>
+          <p:cNvPr id="31" name="Straight Connector 30"/>
+          <p:cNvCxnSpPr/>
+          <p:nvPr/>
+        </p:nvCxnSpPr>
+        <p:spPr>
+          <a:xfrm>
+            <a:off x="195698" y="4767942"/>
+            <a:ext cx="3307443" cy="0"/>
+          </a:xfrm>
+          <a:prstGeom prst="line">
+            <a:avLst/>
+          </a:prstGeom>
+          <a:ln w="19050">
+            <a:solidFill>
+              <a:srgbClr val="FF0000"/>
+            </a:solidFill>
+          </a:ln>
+        </p:spPr>
+        <p:style>
+          <a:lnRef idx="1">
+            <a:schemeClr val="accent1"/>
+          </a:lnRef>
+          <a:fillRef idx="0">
+            <a:schemeClr val="accent1"/>
+          </a:fillRef>
+          <a:effectRef idx="0">
+            <a:schemeClr val="accent1"/>
+          </a:effectRef>
+          <a:fontRef idx="minor">
+            <a:schemeClr val="tx1"/>
+          </a:fontRef>
+        </p:style>
+      </p:cxnSp>
+      <p:sp>
+        <p:nvSpPr>
+          <p:cNvPr id="32" name="Rectangle 31"/>
+          <p:cNvSpPr/>
+          <p:nvPr/>
+        </p:nvSpPr>
+        <p:spPr>
+          <a:xfrm>
+            <a:off x="195698" y="4953000"/>
+            <a:ext cx="4300102" cy="1273194"/>
+          </a:xfrm>
+          <a:prstGeom prst="rect">
+            <a:avLst/>
+          </a:prstGeom>
+          <a:noFill/>
+          <a:ln>
+            <a:solidFill>
+              <a:srgbClr val="FF0000"/>
+            </a:solidFill>
+          </a:ln>
+        </p:spPr>
+        <p:style>
+          <a:lnRef idx="2">
+            <a:schemeClr val="accent1">
+              <a:shade val="50000"/>
+            </a:schemeClr>
+          </a:lnRef>
+          <a:fillRef idx="1">
+            <a:schemeClr val="accent1"/>
+          </a:fillRef>
+          <a:effectRef idx="0">
+            <a:schemeClr val="accent1"/>
+          </a:effectRef>
+          <a:fontRef idx="minor">
+            <a:schemeClr val="lt1"/>
+          </a:fontRef>
+        </p:style>
+        <p:txBody>
+          <a:bodyPr rtlCol="0" anchor="ctr"/>
+          <a:lstStyle/>
+          <a:p>
+            <a:pPr algn="ctr"/>
+            <a:endParaRPr lang="en-IN"/>
           </a:p>
         </p:txBody>
       </p:sp>
@@ -25432,20 +26827,7 @@
                 <a:ea typeface="Tahoma" panose="020B0604030504040204" pitchFamily="34" charset="0"/>
                 <a:cs typeface="Tahoma" panose="020B0604030504040204" pitchFamily="34" charset="0"/>
               </a:rPr>
-              <a:t>wamp64\www\node directory</a:t>
-            </a:r>
-            <a:r>
-              <a:rPr lang="en-IN" sz="2000" dirty="0" smtClean="0">
-                <a:solidFill>
-                  <a:schemeClr val="bg2">
-                    <a:lumMod val="50000"/>
-                  </a:schemeClr>
-                </a:solidFill>
-                <a:latin typeface="Consolas" panose="020B0609020204030204" pitchFamily="49" charset="0"/>
-                <a:ea typeface="Tahoma" panose="020B0604030504040204" pitchFamily="34" charset="0"/>
-                <a:cs typeface="Tahoma" panose="020B0604030504040204" pitchFamily="34" charset="0"/>
-              </a:rPr>
-              <a:t>.</a:t>
+              <a:t>wamp64\www\node directory.</a:t>
             </a:r>
           </a:p>
           <a:p>
@@ -25517,18 +26899,7 @@
                 <a:ea typeface="Tahoma" panose="020B0604030504040204" pitchFamily="34" charset="0"/>
                 <a:cs typeface="Tahoma" panose="020B0604030504040204" pitchFamily="34" charset="0"/>
               </a:rPr>
-              <a:t>// executes </a:t>
-            </a:r>
-            <a:r>
-              <a:rPr lang="en-IN" sz="2000" dirty="0" smtClean="0">
-                <a:solidFill>
-                  <a:srgbClr val="92D050"/>
-                </a:solidFill>
-                <a:latin typeface="Consolas" panose="020B0609020204030204" pitchFamily="49" charset="0"/>
-                <a:ea typeface="Tahoma" panose="020B0604030504040204" pitchFamily="34" charset="0"/>
-                <a:cs typeface="Tahoma" panose="020B0604030504040204" pitchFamily="34" charset="0"/>
-              </a:rPr>
-              <a:t>index.js or app.js whichever is present. If both are present, then index.js will be executed </a:t>
+              <a:t>// executes index.js or app.js whichever is present. If both are present, then index.js will be executed </a:t>
             </a:r>
             <a:r>
               <a:rPr lang="en-IN" sz="2000" smtClean="0">
